--- a/Capstone2/Brain Tumor Classification Capstone 2.pptx
+++ b/Capstone2/Brain Tumor Classification Capstone 2.pptx
@@ -7461,8 +7461,8 @@
         </p:blipFill>
         <p:spPr>
           <a:xfrm>
-            <a:off x="2164850" y="2571750"/>
-            <a:ext cx="4972050" cy="2000250"/>
+            <a:off x="2397325" y="2485238"/>
+            <a:ext cx="4591050" cy="1838325"/>
           </a:xfrm>
           <a:prstGeom prst="rect">
             <a:avLst/>
